--- a/以太坊教程/课件/11_React生命周期简介.pptx
+++ b/以太坊教程/课件/11_React生命周期简介.pptx
@@ -198,7 +198,7 @@
           <a:p>
             <a:fld id="{72310B64-49C7-4495-BCB0-62362D0A41BE}" type="datetimeFigureOut">
               <a:rPr lang="zh-CN" altLang="en-US" smtClean="0"/>
-              <a:t>2018/11/23</a:t>
+              <a:t>2018/11/29</a:t>
             </a:fld>
             <a:endParaRPr lang="zh-CN" altLang="en-US"/>
           </a:p>
@@ -983,7 +983,7 @@
           <a:p>
             <a:fld id="{530820CF-B880-4189-942D-D702A7CBA730}" type="datetimeFigureOut">
               <a:rPr lang="zh-CN" altLang="en-US" smtClean="0"/>
-              <a:t>2018/11/23</a:t>
+              <a:t>2018/11/29</a:t>
             </a:fld>
             <a:endParaRPr lang="zh-CN" altLang="en-US"/>
           </a:p>
@@ -1148,7 +1148,7 @@
           <a:p>
             <a:fld id="{530820CF-B880-4189-942D-D702A7CBA730}" type="datetimeFigureOut">
               <a:rPr lang="zh-CN" altLang="en-US" smtClean="0"/>
-              <a:t>2018/11/23</a:t>
+              <a:t>2018/11/29</a:t>
             </a:fld>
             <a:endParaRPr lang="zh-CN" altLang="en-US"/>
           </a:p>
@@ -1323,7 +1323,7 @@
           <a:p>
             <a:fld id="{530820CF-B880-4189-942D-D702A7CBA730}" type="datetimeFigureOut">
               <a:rPr lang="zh-CN" altLang="en-US" smtClean="0"/>
-              <a:t>2018/11/23</a:t>
+              <a:t>2018/11/29</a:t>
             </a:fld>
             <a:endParaRPr lang="zh-CN" altLang="en-US"/>
           </a:p>
@@ -1488,7 +1488,7 @@
           <a:p>
             <a:fld id="{530820CF-B880-4189-942D-D702A7CBA730}" type="datetimeFigureOut">
               <a:rPr lang="zh-CN" altLang="en-US" smtClean="0"/>
-              <a:t>2018/11/23</a:t>
+              <a:t>2018/11/29</a:t>
             </a:fld>
             <a:endParaRPr lang="zh-CN" altLang="en-US"/>
           </a:p>
@@ -1729,7 +1729,7 @@
           <a:p>
             <a:fld id="{530820CF-B880-4189-942D-D702A7CBA730}" type="datetimeFigureOut">
               <a:rPr lang="zh-CN" altLang="en-US" smtClean="0"/>
-              <a:t>2018/11/23</a:t>
+              <a:t>2018/11/29</a:t>
             </a:fld>
             <a:endParaRPr lang="zh-CN" altLang="en-US"/>
           </a:p>
@@ -2012,7 +2012,7 @@
           <a:p>
             <a:fld id="{530820CF-B880-4189-942D-D702A7CBA730}" type="datetimeFigureOut">
               <a:rPr lang="zh-CN" altLang="en-US" smtClean="0"/>
-              <a:t>2018/11/23</a:t>
+              <a:t>2018/11/29</a:t>
             </a:fld>
             <a:endParaRPr lang="zh-CN" altLang="en-US"/>
           </a:p>
@@ -2429,7 +2429,7 @@
           <a:p>
             <a:fld id="{530820CF-B880-4189-942D-D702A7CBA730}" type="datetimeFigureOut">
               <a:rPr lang="zh-CN" altLang="en-US" smtClean="0"/>
-              <a:t>2018/11/23</a:t>
+              <a:t>2018/11/29</a:t>
             </a:fld>
             <a:endParaRPr lang="zh-CN" altLang="en-US"/>
           </a:p>
@@ -2542,7 +2542,7 @@
           <a:p>
             <a:fld id="{530820CF-B880-4189-942D-D702A7CBA730}" type="datetimeFigureOut">
               <a:rPr lang="zh-CN" altLang="en-US" smtClean="0"/>
-              <a:t>2018/11/23</a:t>
+              <a:t>2018/11/29</a:t>
             </a:fld>
             <a:endParaRPr lang="zh-CN" altLang="en-US"/>
           </a:p>
@@ -2632,7 +2632,7 @@
           <a:p>
             <a:fld id="{530820CF-B880-4189-942D-D702A7CBA730}" type="datetimeFigureOut">
               <a:rPr lang="zh-CN" altLang="en-US" smtClean="0"/>
-              <a:t>2018/11/23</a:t>
+              <a:t>2018/11/29</a:t>
             </a:fld>
             <a:endParaRPr lang="zh-CN" altLang="en-US"/>
           </a:p>
@@ -2904,7 +2904,7 @@
           <a:p>
             <a:fld id="{530820CF-B880-4189-942D-D702A7CBA730}" type="datetimeFigureOut">
               <a:rPr lang="zh-CN" altLang="en-US" smtClean="0"/>
-              <a:t>2018/11/23</a:t>
+              <a:t>2018/11/29</a:t>
             </a:fld>
             <a:endParaRPr lang="zh-CN" altLang="en-US"/>
           </a:p>
@@ -3152,7 +3152,7 @@
           <a:p>
             <a:fld id="{530820CF-B880-4189-942D-D702A7CBA730}" type="datetimeFigureOut">
               <a:rPr lang="zh-CN" altLang="en-US" smtClean="0"/>
-              <a:t>2018/11/23</a:t>
+              <a:t>2018/11/29</a:t>
             </a:fld>
             <a:endParaRPr lang="zh-CN" altLang="en-US"/>
           </a:p>
@@ -3212,9 +3212,18 @@
 <p:sldMaster xmlns:a="http://schemas.openxmlformats.org/drawingml/2006/main" xmlns:r="http://schemas.openxmlformats.org/officeDocument/2006/relationships" xmlns:p="http://schemas.openxmlformats.org/presentationml/2006/main">
   <p:cSld>
     <p:bg>
-      <p:bgRef idx="1001">
-        <a:schemeClr val="bg1"/>
-      </p:bgRef>
+      <p:bgPr>
+        <a:blipFill dpi="0" rotWithShape="1">
+          <a:blip r:embed="rId13">
+            <a:lum/>
+          </a:blip>
+          <a:srcRect/>
+          <a:stretch>
+            <a:fillRect/>
+          </a:stretch>
+        </a:blipFill>
+        <a:effectLst/>
+      </p:bgPr>
     </p:bg>
     <p:spTree>
       <p:nvGrpSpPr>
@@ -3360,7 +3369,7 @@
           <a:p>
             <a:fld id="{530820CF-B880-4189-942D-D702A7CBA730}" type="datetimeFigureOut">
               <a:rPr lang="zh-CN" altLang="en-US" smtClean="0"/>
-              <a:t>2018/11/23</a:t>
+              <a:t>2018/11/29</a:t>
             </a:fld>
             <a:endParaRPr lang="zh-CN" altLang="en-US"/>
           </a:p>
@@ -3916,7 +3925,12 @@
             <p:ph type="title"/>
           </p:nvPr>
         </p:nvSpPr>
-        <p:spPr/>
+        <p:spPr>
+          <a:xfrm>
+            <a:off x="457200" y="413792"/>
+            <a:ext cx="8229600" cy="1143000"/>
+          </a:xfrm>
+        </p:spPr>
         <p:txBody>
           <a:bodyPr>
             <a:normAutofit/>
@@ -4104,7 +4118,12 @@
             <p:ph type="title"/>
           </p:nvPr>
         </p:nvSpPr>
-        <p:spPr/>
+        <p:spPr>
+          <a:xfrm>
+            <a:off x="457200" y="413792"/>
+            <a:ext cx="8229600" cy="1143000"/>
+          </a:xfrm>
+        </p:spPr>
         <p:txBody>
           <a:bodyPr>
             <a:normAutofit/>
@@ -4899,7 +4918,12 @@
             <p:ph type="title"/>
           </p:nvPr>
         </p:nvSpPr>
-        <p:spPr/>
+        <p:spPr>
+          <a:xfrm>
+            <a:off x="457200" y="413792"/>
+            <a:ext cx="8229600" cy="1143000"/>
+          </a:xfrm>
+        </p:spPr>
         <p:txBody>
           <a:bodyPr>
             <a:normAutofit/>
@@ -5528,7 +5552,12 @@
             <p:ph type="title"/>
           </p:nvPr>
         </p:nvSpPr>
-        <p:spPr/>
+        <p:spPr>
+          <a:xfrm>
+            <a:off x="457200" y="413792"/>
+            <a:ext cx="8229600" cy="1143000"/>
+          </a:xfrm>
+        </p:spPr>
         <p:txBody>
           <a:bodyPr>
             <a:normAutofit/>
@@ -5726,7 +5755,12 @@
             <p:ph type="title"/>
           </p:nvPr>
         </p:nvSpPr>
-        <p:spPr/>
+        <p:spPr>
+          <a:xfrm>
+            <a:off x="457200" y="413792"/>
+            <a:ext cx="8229600" cy="1143000"/>
+          </a:xfrm>
+        </p:spPr>
         <p:txBody>
           <a:bodyPr>
             <a:normAutofit/>
